--- a/ICDE24Banner.pptx
+++ b/ICDE24Banner.pptx
@@ -104,7 +104,41 @@
       </a:defRPr>
     </a:lvl9pPr>
   </p:defaultTextStyle>
+  <p:extLst>
+    <p:ext uri="{EFAFB233-063F-42B5-8137-9DF3F51BA10A}">
+      <p15:sldGuideLst xmlns:p15="http://schemas.microsoft.com/office/powerpoint/2012/main"/>
+    </p:ext>
+  </p:extLst>
 </p:presentation>
+</file>
+
+<file path=ppt/changesInfos/changesInfo1.xml><?xml version="1.0" encoding="utf-8"?>
+<pc:chgInfo xmlns:a="http://schemas.openxmlformats.org/drawingml/2006/main" xmlns:r="http://schemas.openxmlformats.org/officeDocument/2006/relationships" xmlns:ac="http://schemas.microsoft.com/office/drawing/2013/main/command" xmlns:pc="http://schemas.microsoft.com/office/powerpoint/2013/main/command">
+  <pc:docChgLst>
+    <pc:chgData name="Velegrakis, I. (Yannis)" userId="4f35c71a-e81a-4f2c-8f83-d7dd3283ce80" providerId="ADAL" clId="{05235EF5-2D15-8147-85BC-ACA18486A8B2}"/>
+    <pc:docChg chg="undo custSel modSld">
+      <pc:chgData name="Velegrakis, I. (Yannis)" userId="4f35c71a-e81a-4f2c-8f83-d7dd3283ce80" providerId="ADAL" clId="{05235EF5-2D15-8147-85BC-ACA18486A8B2}" dt="2024-01-31T21:47:14.844" v="2" actId="20577"/>
+      <pc:docMkLst>
+        <pc:docMk/>
+      </pc:docMkLst>
+      <pc:sldChg chg="modSp mod">
+        <pc:chgData name="Velegrakis, I. (Yannis)" userId="4f35c71a-e81a-4f2c-8f83-d7dd3283ce80" providerId="ADAL" clId="{05235EF5-2D15-8147-85BC-ACA18486A8B2}" dt="2024-01-31T21:47:14.844" v="2" actId="20577"/>
+        <pc:sldMkLst>
+          <pc:docMk/>
+          <pc:sldMk cId="824848004" sldId="256"/>
+        </pc:sldMkLst>
+        <pc:spChg chg="mod">
+          <ac:chgData name="Velegrakis, I. (Yannis)" userId="4f35c71a-e81a-4f2c-8f83-d7dd3283ce80" providerId="ADAL" clId="{05235EF5-2D15-8147-85BC-ACA18486A8B2}" dt="2024-01-31T21:47:14.844" v="2" actId="20577"/>
+          <ac:spMkLst>
+            <pc:docMk/>
+            <pc:sldMk cId="824848004" sldId="256"/>
+            <ac:spMk id="14" creationId="{DD2F538A-1C57-C856-1E19-631F323E59F7}"/>
+          </ac:spMkLst>
+        </pc:spChg>
+      </pc:sldChg>
+    </pc:docChg>
+  </pc:docChgLst>
+</pc:chgInfo>
 </file>
 
 <file path=ppt/slideLayouts/slideLayout1.xml><?xml version="1.0" encoding="utf-8"?>
@@ -238,7 +272,7 @@
           <a:p>
             <a:fld id="{982500B3-47C0-E34F-8E5B-7EDD1A997BB5}" type="datetimeFigureOut">
               <a:rPr lang="en-NL" smtClean="0"/>
-              <a:t>01/05/2023</a:t>
+              <a:t>31/01/2024</a:t>
             </a:fld>
             <a:endParaRPr lang="en-NL"/>
           </a:p>
@@ -408,7 +442,7 @@
           <a:p>
             <a:fld id="{982500B3-47C0-E34F-8E5B-7EDD1A997BB5}" type="datetimeFigureOut">
               <a:rPr lang="en-NL" smtClean="0"/>
-              <a:t>01/05/2023</a:t>
+              <a:t>31/01/2024</a:t>
             </a:fld>
             <a:endParaRPr lang="en-NL"/>
           </a:p>
@@ -588,7 +622,7 @@
           <a:p>
             <a:fld id="{982500B3-47C0-E34F-8E5B-7EDD1A997BB5}" type="datetimeFigureOut">
               <a:rPr lang="en-NL" smtClean="0"/>
-              <a:t>01/05/2023</a:t>
+              <a:t>31/01/2024</a:t>
             </a:fld>
             <a:endParaRPr lang="en-NL"/>
           </a:p>
@@ -758,7 +792,7 @@
           <a:p>
             <a:fld id="{982500B3-47C0-E34F-8E5B-7EDD1A997BB5}" type="datetimeFigureOut">
               <a:rPr lang="en-NL" smtClean="0"/>
-              <a:t>01/05/2023</a:t>
+              <a:t>31/01/2024</a:t>
             </a:fld>
             <a:endParaRPr lang="en-NL"/>
           </a:p>
@@ -1004,7 +1038,7 @@
           <a:p>
             <a:fld id="{982500B3-47C0-E34F-8E5B-7EDD1A997BB5}" type="datetimeFigureOut">
               <a:rPr lang="en-NL" smtClean="0"/>
-              <a:t>01/05/2023</a:t>
+              <a:t>31/01/2024</a:t>
             </a:fld>
             <a:endParaRPr lang="en-NL"/>
           </a:p>
@@ -1236,7 +1270,7 @@
           <a:p>
             <a:fld id="{982500B3-47C0-E34F-8E5B-7EDD1A997BB5}" type="datetimeFigureOut">
               <a:rPr lang="en-NL" smtClean="0"/>
-              <a:t>01/05/2023</a:t>
+              <a:t>31/01/2024</a:t>
             </a:fld>
             <a:endParaRPr lang="en-NL"/>
           </a:p>
@@ -1603,7 +1637,7 @@
           <a:p>
             <a:fld id="{982500B3-47C0-E34F-8E5B-7EDD1A997BB5}" type="datetimeFigureOut">
               <a:rPr lang="en-NL" smtClean="0"/>
-              <a:t>01/05/2023</a:t>
+              <a:t>31/01/2024</a:t>
             </a:fld>
             <a:endParaRPr lang="en-NL"/>
           </a:p>
@@ -1721,7 +1755,7 @@
           <a:p>
             <a:fld id="{982500B3-47C0-E34F-8E5B-7EDD1A997BB5}" type="datetimeFigureOut">
               <a:rPr lang="en-NL" smtClean="0"/>
-              <a:t>01/05/2023</a:t>
+              <a:t>31/01/2024</a:t>
             </a:fld>
             <a:endParaRPr lang="en-NL"/>
           </a:p>
@@ -1816,7 +1850,7 @@
           <a:p>
             <a:fld id="{982500B3-47C0-E34F-8E5B-7EDD1A997BB5}" type="datetimeFigureOut">
               <a:rPr lang="en-NL" smtClean="0"/>
-              <a:t>01/05/2023</a:t>
+              <a:t>31/01/2024</a:t>
             </a:fld>
             <a:endParaRPr lang="en-NL"/>
           </a:p>
@@ -2093,7 +2127,7 @@
           <a:p>
             <a:fld id="{982500B3-47C0-E34F-8E5B-7EDD1A997BB5}" type="datetimeFigureOut">
               <a:rPr lang="en-NL" smtClean="0"/>
-              <a:t>01/05/2023</a:t>
+              <a:t>31/01/2024</a:t>
             </a:fld>
             <a:endParaRPr lang="en-NL"/>
           </a:p>
@@ -2350,7 +2384,7 @@
           <a:p>
             <a:fld id="{982500B3-47C0-E34F-8E5B-7EDD1A997BB5}" type="datetimeFigureOut">
               <a:rPr lang="en-NL" smtClean="0"/>
-              <a:t>01/05/2023</a:t>
+              <a:t>31/01/2024</a:t>
             </a:fld>
             <a:endParaRPr lang="en-NL"/>
           </a:p>
@@ -2563,7 +2597,7 @@
           <a:p>
             <a:fld id="{982500B3-47C0-E34F-8E5B-7EDD1A997BB5}" type="datetimeFigureOut">
               <a:rPr lang="en-NL" smtClean="0"/>
-              <a:t>01/05/2023</a:t>
+              <a:t>31/01/2024</a:t>
             </a:fld>
             <a:endParaRPr lang="en-NL"/>
           </a:p>
@@ -3275,7 +3309,7 @@
             <a:pPr algn="ctr"/>
             <a:r>
               <a:rPr lang="en-NL" sz="2800" spc="150" dirty="0"/>
-              <a:t>Utrecht, Netherlands, 16-19 April, 2024</a:t>
+              <a:t>Utrecht, Netherlands, 16-1 April, 2024</a:t>
             </a:r>
           </a:p>
         </p:txBody>

--- a/ICDE24Banner.pptx
+++ b/ICDE24Banner.pptx
@@ -117,18 +117,18 @@
   <pc:docChgLst>
     <pc:chgData name="Velegrakis, I. (Yannis)" userId="4f35c71a-e81a-4f2c-8f83-d7dd3283ce80" providerId="ADAL" clId="{05235EF5-2D15-8147-85BC-ACA18486A8B2}"/>
     <pc:docChg chg="undo custSel modSld">
-      <pc:chgData name="Velegrakis, I. (Yannis)" userId="4f35c71a-e81a-4f2c-8f83-d7dd3283ce80" providerId="ADAL" clId="{05235EF5-2D15-8147-85BC-ACA18486A8B2}" dt="2024-01-31T21:47:14.844" v="2" actId="20577"/>
+      <pc:chgData name="Velegrakis, I. (Yannis)" userId="4f35c71a-e81a-4f2c-8f83-d7dd3283ce80" providerId="ADAL" clId="{05235EF5-2D15-8147-85BC-ACA18486A8B2}" dt="2024-02-02T07:53:14.716" v="32" actId="947"/>
       <pc:docMkLst>
         <pc:docMk/>
       </pc:docMkLst>
       <pc:sldChg chg="modSp mod">
-        <pc:chgData name="Velegrakis, I. (Yannis)" userId="4f35c71a-e81a-4f2c-8f83-d7dd3283ce80" providerId="ADAL" clId="{05235EF5-2D15-8147-85BC-ACA18486A8B2}" dt="2024-01-31T21:47:14.844" v="2" actId="20577"/>
+        <pc:chgData name="Velegrakis, I. (Yannis)" userId="4f35c71a-e81a-4f2c-8f83-d7dd3283ce80" providerId="ADAL" clId="{05235EF5-2D15-8147-85BC-ACA18486A8B2}" dt="2024-02-02T07:53:14.716" v="32" actId="947"/>
         <pc:sldMkLst>
           <pc:docMk/>
           <pc:sldMk cId="824848004" sldId="256"/>
         </pc:sldMkLst>
         <pc:spChg chg="mod">
-          <ac:chgData name="Velegrakis, I. (Yannis)" userId="4f35c71a-e81a-4f2c-8f83-d7dd3283ce80" providerId="ADAL" clId="{05235EF5-2D15-8147-85BC-ACA18486A8B2}" dt="2024-01-31T21:47:14.844" v="2" actId="20577"/>
+          <ac:chgData name="Velegrakis, I. (Yannis)" userId="4f35c71a-e81a-4f2c-8f83-d7dd3283ce80" providerId="ADAL" clId="{05235EF5-2D15-8147-85BC-ACA18486A8B2}" dt="2024-02-02T07:53:14.716" v="32" actId="947"/>
           <ac:spMkLst>
             <pc:docMk/>
             <pc:sldMk cId="824848004" sldId="256"/>
@@ -272,7 +272,7 @@
           <a:p>
             <a:fld id="{982500B3-47C0-E34F-8E5B-7EDD1A997BB5}" type="datetimeFigureOut">
               <a:rPr lang="en-NL" smtClean="0"/>
-              <a:t>31/01/2024</a:t>
+              <a:t>02/02/2024</a:t>
             </a:fld>
             <a:endParaRPr lang="en-NL"/>
           </a:p>
@@ -442,7 +442,7 @@
           <a:p>
             <a:fld id="{982500B3-47C0-E34F-8E5B-7EDD1A997BB5}" type="datetimeFigureOut">
               <a:rPr lang="en-NL" smtClean="0"/>
-              <a:t>31/01/2024</a:t>
+              <a:t>02/02/2024</a:t>
             </a:fld>
             <a:endParaRPr lang="en-NL"/>
           </a:p>
@@ -622,7 +622,7 @@
           <a:p>
             <a:fld id="{982500B3-47C0-E34F-8E5B-7EDD1A997BB5}" type="datetimeFigureOut">
               <a:rPr lang="en-NL" smtClean="0"/>
-              <a:t>31/01/2024</a:t>
+              <a:t>02/02/2024</a:t>
             </a:fld>
             <a:endParaRPr lang="en-NL"/>
           </a:p>
@@ -792,7 +792,7 @@
           <a:p>
             <a:fld id="{982500B3-47C0-E34F-8E5B-7EDD1A997BB5}" type="datetimeFigureOut">
               <a:rPr lang="en-NL" smtClean="0"/>
-              <a:t>31/01/2024</a:t>
+              <a:t>02/02/2024</a:t>
             </a:fld>
             <a:endParaRPr lang="en-NL"/>
           </a:p>
@@ -1038,7 +1038,7 @@
           <a:p>
             <a:fld id="{982500B3-47C0-E34F-8E5B-7EDD1A997BB5}" type="datetimeFigureOut">
               <a:rPr lang="en-NL" smtClean="0"/>
-              <a:t>31/01/2024</a:t>
+              <a:t>02/02/2024</a:t>
             </a:fld>
             <a:endParaRPr lang="en-NL"/>
           </a:p>
@@ -1270,7 +1270,7 @@
           <a:p>
             <a:fld id="{982500B3-47C0-E34F-8E5B-7EDD1A997BB5}" type="datetimeFigureOut">
               <a:rPr lang="en-NL" smtClean="0"/>
-              <a:t>31/01/2024</a:t>
+              <a:t>02/02/2024</a:t>
             </a:fld>
             <a:endParaRPr lang="en-NL"/>
           </a:p>
@@ -1637,7 +1637,7 @@
           <a:p>
             <a:fld id="{982500B3-47C0-E34F-8E5B-7EDD1A997BB5}" type="datetimeFigureOut">
               <a:rPr lang="en-NL" smtClean="0"/>
-              <a:t>31/01/2024</a:t>
+              <a:t>02/02/2024</a:t>
             </a:fld>
             <a:endParaRPr lang="en-NL"/>
           </a:p>
@@ -1755,7 +1755,7 @@
           <a:p>
             <a:fld id="{982500B3-47C0-E34F-8E5B-7EDD1A997BB5}" type="datetimeFigureOut">
               <a:rPr lang="en-NL" smtClean="0"/>
-              <a:t>31/01/2024</a:t>
+              <a:t>02/02/2024</a:t>
             </a:fld>
             <a:endParaRPr lang="en-NL"/>
           </a:p>
@@ -1850,7 +1850,7 @@
           <a:p>
             <a:fld id="{982500B3-47C0-E34F-8E5B-7EDD1A997BB5}" type="datetimeFigureOut">
               <a:rPr lang="en-NL" smtClean="0"/>
-              <a:t>31/01/2024</a:t>
+              <a:t>02/02/2024</a:t>
             </a:fld>
             <a:endParaRPr lang="en-NL"/>
           </a:p>
@@ -2127,7 +2127,7 @@
           <a:p>
             <a:fld id="{982500B3-47C0-E34F-8E5B-7EDD1A997BB5}" type="datetimeFigureOut">
               <a:rPr lang="en-NL" smtClean="0"/>
-              <a:t>31/01/2024</a:t>
+              <a:t>02/02/2024</a:t>
             </a:fld>
             <a:endParaRPr lang="en-NL"/>
           </a:p>
@@ -2384,7 +2384,7 @@
           <a:p>
             <a:fld id="{982500B3-47C0-E34F-8E5B-7EDD1A997BB5}" type="datetimeFigureOut">
               <a:rPr lang="en-NL" smtClean="0"/>
-              <a:t>31/01/2024</a:t>
+              <a:t>02/02/2024</a:t>
             </a:fld>
             <a:endParaRPr lang="en-NL"/>
           </a:p>
@@ -2597,7 +2597,7 @@
           <a:p>
             <a:fld id="{982500B3-47C0-E34F-8E5B-7EDD1A997BB5}" type="datetimeFigureOut">
               <a:rPr lang="en-NL" smtClean="0"/>
-              <a:t>31/01/2024</a:t>
+              <a:t>02/02/2024</a:t>
             </a:fld>
             <a:endParaRPr lang="en-NL"/>
           </a:p>
@@ -3309,7 +3309,23 @@
             <a:pPr algn="ctr"/>
             <a:r>
               <a:rPr lang="en-NL" sz="2800" spc="150" dirty="0"/>
-              <a:t>Utrecht, Netherlands, 16-1 April, 2024</a:t>
+              <a:t>Utrecht, Netherlands, 13</a:t>
+            </a:r>
+            <a:r>
+              <a:rPr lang="en-NL" sz="2800" spc="150" baseline="30000" dirty="0"/>
+              <a:t>th</a:t>
+            </a:r>
+            <a:r>
+              <a:rPr lang="en-NL" sz="2800" spc="150" dirty="0"/>
+              <a:t>-17</a:t>
+            </a:r>
+            <a:r>
+              <a:rPr lang="en-NL" sz="2800" spc="150" baseline="30000" dirty="0"/>
+              <a:t>th</a:t>
+            </a:r>
+            <a:r>
+              <a:rPr lang="en-NL" sz="2800" spc="150" dirty="0"/>
+              <a:t> May, 2024</a:t>
             </a:r>
           </a:p>
         </p:txBody>
